--- a/trunk/Document/02.Template/FUFO_Daily_Report_Guideline.pptx
+++ b/trunk/Document/02.Template/FUFO_Daily_Report_Guideline.pptx
@@ -3155,7 +3155,6 @@
               <a:rPr lang="en-US" smtClean="0"/>
               <a:t>Fifth level</a:t>
             </a:r>
-            <a:endParaRPr lang="en-US" smtClean="0"/>
           </a:p>
         </p:txBody>
       </p:sp>
@@ -3333,7 +3332,6 @@
               <a:rPr lang="en-US" smtClean="0"/>
               <a:t>Click to edit Master title style</a:t>
             </a:r>
-            <a:endParaRPr lang="en-US" smtClean="0"/>
           </a:p>
         </p:txBody>
       </p:sp>
@@ -6047,13 +6045,18 @@
               <a:buNone/>
             </a:pPr>
             <a:r>
-              <a:rPr lang="en-US" sz="2000">
+              <a:rPr lang="en-US" sz="2000" smtClean="0">
                 <a:solidFill>
                   <a:schemeClr val="bg1"/>
                 </a:solidFill>
               </a:rPr>
-              <a:t>www.themegallery.com</a:t>
-            </a:r>
+              <a:t>Confidential Document</a:t>
+            </a:r>
+            <a:endParaRPr lang="en-US" sz="2000" dirty="0">
+              <a:solidFill>
+                <a:schemeClr val="bg1"/>
+              </a:solidFill>
+            </a:endParaRPr>
           </a:p>
         </p:txBody>
       </p:sp>

--- a/trunk/Document/02.Template/FUFO_Daily_Report_Guideline.pptx
+++ b/trunk/Document/02.Template/FUFO_Daily_Report_Guideline.pptx
@@ -5603,7 +5603,7 @@
             </a:r>
             <a:r>
               <a:rPr lang="en-US" sz="2400" dirty="0" err="1" smtClean="0"/>
-              <a:t>dự</a:t>
+              <a:t>đã</a:t>
             </a:r>
             <a:r>
               <a:rPr lang="en-US" sz="2400" dirty="0" smtClean="0"/>
@@ -5611,7 +5611,7 @@
             </a:r>
             <a:r>
               <a:rPr lang="en-US" sz="2400" dirty="0" err="1" smtClean="0"/>
-              <a:t>định</a:t>
+              <a:t>dự</a:t>
             </a:r>
             <a:r>
               <a:rPr lang="en-US" sz="2400" dirty="0" smtClean="0"/>
@@ -5619,7 +5619,7 @@
             </a:r>
             <a:r>
               <a:rPr lang="en-US" sz="2400" dirty="0" err="1" smtClean="0"/>
-              <a:t>làm</a:t>
+              <a:t>định</a:t>
             </a:r>
             <a:r>
               <a:rPr lang="en-US" sz="2400" dirty="0" smtClean="0"/>
@@ -5627,20 +5627,13 @@
             </a:r>
             <a:r>
               <a:rPr lang="en-US" sz="2400" dirty="0" err="1" smtClean="0"/>
-              <a:t>hôm</a:t>
-            </a:r>
-            <a:r>
-              <a:rPr lang="en-US" sz="2400" dirty="0" smtClean="0"/>
-              <a:t> </a:t>
-            </a:r>
-            <a:r>
-              <a:rPr lang="en-US" sz="2400" dirty="0" err="1" smtClean="0"/>
-              <a:t>trước</a:t>
+              <a:t>làm</a:t>
             </a:r>
             <a:r>
               <a:rPr lang="en-US" sz="2400" dirty="0" smtClean="0"/>
               <a:t>:</a:t>
             </a:r>
+            <a:endParaRPr lang="en-US" sz="2400" dirty="0" smtClean="0"/>
           </a:p>
           <a:p>
             <a:pPr lvl="2"/>
